--- a/design-docs/ssa_db.pptx
+++ b/design-docs/ssa_db.pptx
@@ -9,10 +9,13 @@
     <p:sldId id="257" r:id="rId3"/>
     <p:sldId id="258" r:id="rId4"/>
     <p:sldId id="260" r:id="rId5"/>
-    <p:sldId id="259" r:id="rId6"/>
-    <p:sldId id="261" r:id="rId7"/>
-    <p:sldId id="262" r:id="rId8"/>
-    <p:sldId id="263" r:id="rId9"/>
+    <p:sldId id="265" r:id="rId6"/>
+    <p:sldId id="259" r:id="rId7"/>
+    <p:sldId id="261" r:id="rId8"/>
+    <p:sldId id="262" r:id="rId9"/>
+    <p:sldId id="263" r:id="rId10"/>
+    <p:sldId id="264" r:id="rId11"/>
+    <p:sldId id="266" r:id="rId12"/>
   </p:sldIdLst>
   <p:sldSz cx="9144000" cy="6858000" type="screen4x3"/>
   <p:notesSz cx="6858000" cy="9144000"/>
@@ -3083,11 +3086,7 @@
           <a:p>
             <a:r>
               <a:rPr lang="en-US" dirty="0" smtClean="0"/>
-              <a:t>SSA Database Processing and </a:t>
-            </a:r>
-            <a:r>
-              <a:rPr lang="en-US" dirty="0" smtClean="0"/>
-              <a:t>Distribution Proposal</a:t>
+              <a:t>SSA Database Processing and Distribution Proposal</a:t>
             </a:r>
             <a:endParaRPr lang="en-US" dirty="0"/>
           </a:p>
@@ -3116,6 +3115,232 @@
     <p:extLst>
       <p:ext uri="{BB962C8B-B14F-4D97-AF65-F5344CB8AC3E}">
         <p14:creationId xmlns:p14="http://schemas.microsoft.com/office/powerpoint/2010/main" val="2290141848"/>
+      </p:ext>
+    </p:extLst>
+  </p:cSld>
+  <p:clrMapOvr>
+    <a:masterClrMapping/>
+  </p:clrMapOvr>
+</p:sld>
+</file>
+
+<file path=ppt/slides/slide10.xml><?xml version="1.0" encoding="utf-8"?>
+<p:sld xmlns:a="http://schemas.openxmlformats.org/drawingml/2006/main" xmlns:r="http://schemas.openxmlformats.org/officeDocument/2006/relationships" xmlns:p="http://schemas.openxmlformats.org/presentationml/2006/main">
+  <p:cSld>
+    <p:spTree>
+      <p:nvGrpSpPr>
+        <p:cNvPr id="1" name=""/>
+        <p:cNvGrpSpPr/>
+        <p:nvPr/>
+      </p:nvGrpSpPr>
+      <p:grpSpPr>
+        <a:xfrm>
+          <a:off x="0" y="0"/>
+          <a:ext cx="0" cy="0"/>
+          <a:chOff x="0" y="0"/>
+          <a:chExt cx="0" cy="0"/>
+        </a:xfrm>
+      </p:grpSpPr>
+      <p:sp>
+        <p:nvSpPr>
+          <p:cNvPr id="2" name="Title 1"/>
+          <p:cNvSpPr>
+            <a:spLocks noGrp="1"/>
+          </p:cNvSpPr>
+          <p:nvPr>
+            <p:ph type="title"/>
+          </p:nvPr>
+        </p:nvSpPr>
+        <p:spPr/>
+        <p:txBody>
+          <a:bodyPr/>
+          <a:lstStyle/>
+          <a:p>
+            <a:r>
+              <a:rPr lang="en-US" dirty="0" smtClean="0"/>
+              <a:t>Duplicate Database</a:t>
+            </a:r>
+            <a:endParaRPr lang="en-US" dirty="0"/>
+          </a:p>
+        </p:txBody>
+      </p:sp>
+      <p:sp>
+        <p:nvSpPr>
+          <p:cNvPr id="3" name="Content Placeholder 2"/>
+          <p:cNvSpPr>
+            <a:spLocks noGrp="1"/>
+          </p:cNvSpPr>
+          <p:nvPr>
+            <p:ph idx="1"/>
+          </p:nvPr>
+        </p:nvSpPr>
+        <p:spPr/>
+        <p:txBody>
+          <a:bodyPr/>
+          <a:lstStyle/>
+          <a:p>
+            <a:r>
+              <a:rPr lang="en-US" dirty="0" smtClean="0"/>
+              <a:t>One database is marked active</a:t>
+            </a:r>
+          </a:p>
+          <a:p>
+            <a:pPr lvl="1"/>
+            <a:r>
+              <a:rPr lang="en-US" dirty="0" smtClean="0"/>
+              <a:t>Other is inactive</a:t>
+            </a:r>
+          </a:p>
+          <a:p>
+            <a:r>
+              <a:rPr lang="en-US" dirty="0" smtClean="0"/>
+              <a:t>Changes are always applied to inactive database</a:t>
+            </a:r>
+          </a:p>
+          <a:p>
+            <a:r>
+              <a:rPr lang="en-US" dirty="0" smtClean="0"/>
+              <a:t>When all changes have been applied, switch which database is active</a:t>
+            </a:r>
+          </a:p>
+          <a:p>
+            <a:pPr lvl="1"/>
+            <a:r>
+              <a:rPr lang="en-US" dirty="0" smtClean="0"/>
+              <a:t>Can switch after any transaction completes</a:t>
+            </a:r>
+            <a:endParaRPr lang="en-US" dirty="0"/>
+          </a:p>
+        </p:txBody>
+      </p:sp>
+    </p:spTree>
+    <p:extLst>
+      <p:ext uri="{BB962C8B-B14F-4D97-AF65-F5344CB8AC3E}">
+        <p14:creationId xmlns:p14="http://schemas.microsoft.com/office/powerpoint/2010/main" val="4011278162"/>
+      </p:ext>
+    </p:extLst>
+  </p:cSld>
+  <p:clrMapOvr>
+    <a:masterClrMapping/>
+  </p:clrMapOvr>
+</p:sld>
+</file>
+
+<file path=ppt/slides/slide11.xml><?xml version="1.0" encoding="utf-8"?>
+<p:sld xmlns:a="http://schemas.openxmlformats.org/drawingml/2006/main" xmlns:r="http://schemas.openxmlformats.org/officeDocument/2006/relationships" xmlns:p="http://schemas.openxmlformats.org/presentationml/2006/main">
+  <p:cSld>
+    <p:spTree>
+      <p:nvGrpSpPr>
+        <p:cNvPr id="1" name=""/>
+        <p:cNvGrpSpPr/>
+        <p:nvPr/>
+      </p:nvGrpSpPr>
+      <p:grpSpPr>
+        <a:xfrm>
+          <a:off x="0" y="0"/>
+          <a:ext cx="0" cy="0"/>
+          <a:chOff x="0" y="0"/>
+          <a:chExt cx="0" cy="0"/>
+        </a:xfrm>
+      </p:grpSpPr>
+      <p:sp>
+        <p:nvSpPr>
+          <p:cNvPr id="2" name="Title 1"/>
+          <p:cNvSpPr>
+            <a:spLocks noGrp="1"/>
+          </p:cNvSpPr>
+          <p:nvPr>
+            <p:ph type="title"/>
+          </p:nvPr>
+        </p:nvSpPr>
+        <p:spPr/>
+        <p:txBody>
+          <a:bodyPr/>
+          <a:lstStyle/>
+          <a:p>
+            <a:r>
+              <a:rPr lang="en-US" dirty="0" smtClean="0"/>
+              <a:t>Partial Tree Updates</a:t>
+            </a:r>
+            <a:endParaRPr lang="en-US" dirty="0"/>
+          </a:p>
+        </p:txBody>
+      </p:sp>
+      <p:sp>
+        <p:nvSpPr>
+          <p:cNvPr id="3" name="Content Placeholder 2"/>
+          <p:cNvSpPr>
+            <a:spLocks noGrp="1"/>
+          </p:cNvSpPr>
+          <p:nvPr>
+            <p:ph idx="1"/>
+          </p:nvPr>
+        </p:nvSpPr>
+        <p:spPr/>
+        <p:txBody>
+          <a:bodyPr>
+            <a:normAutofit fontScale="92500" lnSpcReduction="10000"/>
+          </a:bodyPr>
+          <a:lstStyle/>
+          <a:p>
+            <a:r>
+              <a:rPr lang="en-US" dirty="0"/>
+              <a:t>Similar to duplicate databases, but on different nodes</a:t>
+            </a:r>
+          </a:p>
+          <a:p>
+            <a:r>
+              <a:rPr lang="en-US" dirty="0" smtClean="0"/>
+              <a:t>Select branch to update and mark as inactive</a:t>
+            </a:r>
+          </a:p>
+          <a:p>
+            <a:pPr lvl="1"/>
+            <a:r>
+              <a:rPr lang="en-US" dirty="0" smtClean="0"/>
+              <a:t>Other branch remains active</a:t>
+            </a:r>
+          </a:p>
+          <a:p>
+            <a:r>
+              <a:rPr lang="en-US" dirty="0" smtClean="0"/>
+              <a:t>Migrate leaf nodes to active branch</a:t>
+            </a:r>
+          </a:p>
+          <a:p>
+            <a:r>
+              <a:rPr lang="en-US" smtClean="0"/>
+              <a:t>Update inactive branch </a:t>
+            </a:r>
+            <a:r>
+              <a:rPr lang="en-US" dirty="0" smtClean="0"/>
+              <a:t>and activate</a:t>
+            </a:r>
+          </a:p>
+          <a:p>
+            <a:r>
+              <a:rPr lang="en-US" dirty="0" smtClean="0"/>
+              <a:t>Migrate leaf nodes to updated branch</a:t>
+            </a:r>
+          </a:p>
+          <a:p>
+            <a:r>
+              <a:rPr lang="en-US" dirty="0" smtClean="0"/>
+              <a:t>Inactivate and update other branch</a:t>
+            </a:r>
+          </a:p>
+          <a:p>
+            <a:r>
+              <a:rPr lang="en-US" dirty="0" smtClean="0"/>
+              <a:t>Redistribute leaf nodes between branches</a:t>
+            </a:r>
+          </a:p>
+        </p:txBody>
+      </p:sp>
+    </p:spTree>
+    <p:extLst>
+      <p:ext uri="{BB962C8B-B14F-4D97-AF65-F5344CB8AC3E}">
+        <p14:creationId xmlns:p14="http://schemas.microsoft.com/office/powerpoint/2010/main" val="2543586661"/>
       </p:ext>
     </p:extLst>
   </p:cSld>
@@ -3444,13 +3669,8 @@
           <a:p>
             <a:r>
               <a:rPr lang="en-US" dirty="0" smtClean="0"/>
-              <a:t>May have simultaneous transfers to different </a:t>
-            </a:r>
-            <a:r>
-              <a:rPr lang="en-US" dirty="0" smtClean="0"/>
-              <a:t>nodes</a:t>
-            </a:r>
-            <a:endParaRPr lang="en-US" dirty="0" smtClean="0"/>
+              <a:t>May have simultaneous transfers to different nodes</a:t>
+            </a:r>
           </a:p>
           <a:p>
             <a:r>
@@ -3604,7 +3824,7 @@
     </p:spTree>
     <p:extLst>
       <p:ext uri="{BB962C8B-B14F-4D97-AF65-F5344CB8AC3E}">
-        <p14:creationId xmlns:p14="http://schemas.microsoft.com/office/powerpoint/2010/main" val="2346059595"/>
+        <p14:creationId xmlns:p14="http://schemas.microsoft.com/office/powerpoint/2010/main" val="1166975399"/>
       </p:ext>
     </p:extLst>
   </p:cSld>
@@ -3647,9 +3867,10 @@
           <a:lstStyle/>
           <a:p>
             <a:r>
-              <a:rPr lang="en-US" dirty="0"/>
-              <a:t>Database Synchronization</a:t>
-            </a:r>
+              <a:rPr lang="en-US" dirty="0" smtClean="0"/>
+              <a:t>Synchronization Options</a:t>
+            </a:r>
+            <a:endParaRPr lang="en-US" dirty="0"/>
           </a:p>
         </p:txBody>
       </p:sp>
@@ -3665,55 +3886,44 @@
         </p:nvSpPr>
         <p:spPr/>
         <p:txBody>
-          <a:bodyPr/>
-          <a:lstStyle/>
-          <a:p>
-            <a:r>
-              <a:rPr lang="en-US" dirty="0" smtClean="0"/>
-              <a:t>Simplistic case is use R/W lock</a:t>
-            </a:r>
-          </a:p>
-          <a:p>
-            <a:pPr lvl="1"/>
-            <a:r>
-              <a:rPr lang="en-US" dirty="0" smtClean="0"/>
-              <a:t>May be used during initial DB download</a:t>
-            </a:r>
-          </a:p>
-          <a:p>
-            <a:pPr lvl="1"/>
-            <a:r>
-              <a:rPr lang="en-US" dirty="0" smtClean="0"/>
-              <a:t>May receive requests before database is ready</a:t>
-            </a:r>
-          </a:p>
-          <a:p>
-            <a:pPr lvl="2"/>
-            <a:r>
-              <a:rPr lang="en-US" dirty="0" smtClean="0"/>
-              <a:t>Can delay assigning children, but that just moves the problem to a different node</a:t>
-            </a:r>
+          <a:bodyPr>
+            <a:normAutofit/>
+          </a:bodyPr>
+          <a:lstStyle/>
+          <a:p>
+            <a:r>
+              <a:rPr lang="en-US" dirty="0" smtClean="0"/>
+              <a:t>R/W Locks</a:t>
+            </a:r>
+          </a:p>
+          <a:p>
+            <a:r>
+              <a:rPr lang="en-US" dirty="0" smtClean="0"/>
+              <a:t>Optimistic Reads with Rollback</a:t>
+            </a:r>
+          </a:p>
+          <a:p>
+            <a:r>
+              <a:rPr lang="en-US" dirty="0" smtClean="0"/>
+              <a:t>Duplicate Databases</a:t>
+            </a:r>
+          </a:p>
+          <a:p>
+            <a:r>
+              <a:rPr lang="en-US" dirty="0" smtClean="0"/>
+              <a:t>Partial Tree Updates</a:t>
+            </a:r>
+          </a:p>
+          <a:p>
+            <a:r>
+              <a:rPr lang="en-US" dirty="0" smtClean="0"/>
+              <a:t>Others?</a:t>
+            </a:r>
+          </a:p>
+          <a:p>
             <a:endParaRPr lang="en-US" dirty="0" smtClean="0"/>
           </a:p>
           <a:p>
-            <a:r>
-              <a:rPr lang="en-US" dirty="0" smtClean="0"/>
-              <a:t>Alternatives?</a:t>
-            </a:r>
-          </a:p>
-          <a:p>
-            <a:pPr lvl="1"/>
-            <a:r>
-              <a:rPr lang="en-US" dirty="0" smtClean="0"/>
-              <a:t>Optimistic reads with data rollback from transaction log if needed</a:t>
-            </a:r>
-          </a:p>
-          <a:p>
-            <a:pPr lvl="1"/>
-            <a:r>
-              <a:rPr lang="en-US" dirty="0" smtClean="0"/>
-              <a:t>Others?</a:t>
-            </a:r>
             <a:endParaRPr lang="en-US" dirty="0"/>
           </a:p>
         </p:txBody>
@@ -3721,7 +3931,7 @@
     </p:spTree>
     <p:extLst>
       <p:ext uri="{BB962C8B-B14F-4D97-AF65-F5344CB8AC3E}">
-        <p14:creationId xmlns:p14="http://schemas.microsoft.com/office/powerpoint/2010/main" val="2883167770"/>
+        <p14:creationId xmlns:p14="http://schemas.microsoft.com/office/powerpoint/2010/main" val="2346059595"/>
       </p:ext>
     </p:extLst>
   </p:cSld>
@@ -3765,7 +3975,7 @@
           <a:p>
             <a:r>
               <a:rPr lang="en-US" dirty="0" smtClean="0"/>
-              <a:t>Optimistic Reads with Rollback</a:t>
+              <a:t>R/W Locks</a:t>
             </a:r>
             <a:endParaRPr lang="en-US" dirty="0"/>
           </a:p>
@@ -3788,48 +3998,49 @@
           <a:p>
             <a:r>
               <a:rPr lang="en-US" dirty="0" smtClean="0"/>
-              <a:t>Read (starting) epoch value</a:t>
-            </a:r>
-          </a:p>
-          <a:p>
-            <a:r>
-              <a:rPr lang="en-US" dirty="0" smtClean="0"/>
-              <a:t>Copy desired data into separate buffer</a:t>
+              <a:t>Simplistic</a:t>
+            </a:r>
+          </a:p>
+          <a:p>
+            <a:r>
+              <a:rPr lang="en-US" dirty="0" smtClean="0"/>
+              <a:t>Reads blocked behind updates</a:t>
+            </a:r>
+          </a:p>
+          <a:p>
+            <a:r>
+              <a:rPr lang="en-US" dirty="0" smtClean="0"/>
+              <a:t>May </a:t>
+            </a:r>
+            <a:r>
+              <a:rPr lang="en-US" dirty="0" smtClean="0"/>
+              <a:t>be used during initial DB download</a:t>
+            </a:r>
+          </a:p>
+          <a:p>
+            <a:r>
+              <a:rPr lang="en-US" dirty="0" smtClean="0"/>
+              <a:t>May receive requests before database is ready</a:t>
             </a:r>
           </a:p>
           <a:p>
             <a:pPr lvl="1"/>
             <a:r>
               <a:rPr lang="en-US" dirty="0" smtClean="0"/>
-              <a:t>Buffer may be a remote network buffer</a:t>
-            </a:r>
-          </a:p>
-          <a:p>
-            <a:r>
-              <a:rPr lang="en-US" dirty="0" smtClean="0"/>
-              <a:t>Re-read epoch value and compare</a:t>
-            </a:r>
-          </a:p>
-          <a:p>
-            <a:pPr lvl="1"/>
-            <a:r>
-              <a:rPr lang="en-US" dirty="0" smtClean="0"/>
-              <a:t>If no change, we’re done</a:t>
-            </a:r>
-          </a:p>
-          <a:p>
-            <a:r>
-              <a:rPr lang="en-US" dirty="0" smtClean="0"/>
-              <a:t>On change, read old values from transaction log matching starting epoch value and replace copied values.</a:t>
-            </a:r>
-            <a:endParaRPr lang="en-US" dirty="0"/>
+              <a:t>Can delay assigning children, but that just moves the problem to a different </a:t>
+            </a:r>
+            <a:r>
+              <a:rPr lang="en-US" dirty="0" smtClean="0"/>
+              <a:t>node</a:t>
+            </a:r>
+            <a:endParaRPr lang="en-US" dirty="0" smtClean="0"/>
           </a:p>
         </p:txBody>
       </p:sp>
     </p:spTree>
     <p:extLst>
       <p:ext uri="{BB962C8B-B14F-4D97-AF65-F5344CB8AC3E}">
-        <p14:creationId xmlns:p14="http://schemas.microsoft.com/office/powerpoint/2010/main" val="352759216"/>
+        <p14:creationId xmlns:p14="http://schemas.microsoft.com/office/powerpoint/2010/main" val="2883167770"/>
       </p:ext>
     </p:extLst>
   </p:cSld>
@@ -3872,6 +4083,114 @@
           <a:lstStyle/>
           <a:p>
             <a:r>
+              <a:rPr lang="en-US" dirty="0" smtClean="0"/>
+              <a:t>Optimistic Reads with Rollback</a:t>
+            </a:r>
+            <a:endParaRPr lang="en-US" dirty="0"/>
+          </a:p>
+        </p:txBody>
+      </p:sp>
+      <p:sp>
+        <p:nvSpPr>
+          <p:cNvPr id="3" name="Content Placeholder 2"/>
+          <p:cNvSpPr>
+            <a:spLocks noGrp="1"/>
+          </p:cNvSpPr>
+          <p:nvPr>
+            <p:ph idx="1"/>
+          </p:nvPr>
+        </p:nvSpPr>
+        <p:spPr/>
+        <p:txBody>
+          <a:bodyPr/>
+          <a:lstStyle/>
+          <a:p>
+            <a:r>
+              <a:rPr lang="en-US" dirty="0" smtClean="0"/>
+              <a:t>Read (starting) epoch value</a:t>
+            </a:r>
+          </a:p>
+          <a:p>
+            <a:r>
+              <a:rPr lang="en-US" dirty="0" smtClean="0"/>
+              <a:t>Copy desired data into separate buffer</a:t>
+            </a:r>
+          </a:p>
+          <a:p>
+            <a:pPr lvl="1"/>
+            <a:r>
+              <a:rPr lang="en-US" dirty="0" smtClean="0"/>
+              <a:t>Buffer may be a remote network buffer</a:t>
+            </a:r>
+          </a:p>
+          <a:p>
+            <a:r>
+              <a:rPr lang="en-US" dirty="0" smtClean="0"/>
+              <a:t>Re-read epoch value and compare</a:t>
+            </a:r>
+          </a:p>
+          <a:p>
+            <a:pPr lvl="1"/>
+            <a:r>
+              <a:rPr lang="en-US" dirty="0" smtClean="0"/>
+              <a:t>If no change, we’re done</a:t>
+            </a:r>
+          </a:p>
+          <a:p>
+            <a:r>
+              <a:rPr lang="en-US" dirty="0" smtClean="0"/>
+              <a:t>On change, read old values from transaction log matching starting epoch value and replace copied values.</a:t>
+            </a:r>
+            <a:endParaRPr lang="en-US" dirty="0"/>
+          </a:p>
+        </p:txBody>
+      </p:sp>
+    </p:spTree>
+    <p:extLst>
+      <p:ext uri="{BB962C8B-B14F-4D97-AF65-F5344CB8AC3E}">
+        <p14:creationId xmlns:p14="http://schemas.microsoft.com/office/powerpoint/2010/main" val="352759216"/>
+      </p:ext>
+    </p:extLst>
+  </p:cSld>
+  <p:clrMapOvr>
+    <a:masterClrMapping/>
+  </p:clrMapOvr>
+</p:sld>
+</file>
+
+<file path=ppt/slides/slide9.xml><?xml version="1.0" encoding="utf-8"?>
+<p:sld xmlns:a="http://schemas.openxmlformats.org/drawingml/2006/main" xmlns:r="http://schemas.openxmlformats.org/officeDocument/2006/relationships" xmlns:p="http://schemas.openxmlformats.org/presentationml/2006/main">
+  <p:cSld>
+    <p:spTree>
+      <p:nvGrpSpPr>
+        <p:cNvPr id="1" name=""/>
+        <p:cNvGrpSpPr/>
+        <p:nvPr/>
+      </p:nvGrpSpPr>
+      <p:grpSpPr>
+        <a:xfrm>
+          <a:off x="0" y="0"/>
+          <a:ext cx="0" cy="0"/>
+          <a:chOff x="0" y="0"/>
+          <a:chExt cx="0" cy="0"/>
+        </a:xfrm>
+      </p:grpSpPr>
+      <p:sp>
+        <p:nvSpPr>
+          <p:cNvPr id="2" name="Title 1"/>
+          <p:cNvSpPr>
+            <a:spLocks noGrp="1"/>
+          </p:cNvSpPr>
+          <p:nvPr>
+            <p:ph type="title"/>
+          </p:nvPr>
+        </p:nvSpPr>
+        <p:spPr/>
+        <p:txBody>
+          <a:bodyPr/>
+          <a:lstStyle/>
+          <a:p>
+            <a:r>
               <a:rPr lang="en-US" dirty="0"/>
               <a:t>Optimistic Reads with Rollback</a:t>
             </a:r>
@@ -3891,7 +4210,7 @@
         <p:spPr/>
         <p:txBody>
           <a:bodyPr>
-            <a:normAutofit fontScale="92500" lnSpcReduction="20000"/>
+            <a:normAutofit fontScale="85000" lnSpcReduction="10000"/>
           </a:bodyPr>
           <a:lstStyle/>
           <a:p>
@@ -3938,6 +4257,21 @@
             <a:r>
               <a:rPr lang="en-US" dirty="0" smtClean="0"/>
               <a:t>Unsure if new value is needed</a:t>
+            </a:r>
+          </a:p>
+          <a:p>
+            <a:pPr lvl="1"/>
+            <a:r>
+              <a:rPr lang="en-US" dirty="0" smtClean="0"/>
+              <a:t>Log is written </a:t>
+            </a:r>
+            <a:r>
+              <a:rPr lang="en-US" i="1" dirty="0" smtClean="0"/>
+              <a:t>before</a:t>
+            </a:r>
+            <a:r>
+              <a:rPr lang="en-US" dirty="0" smtClean="0"/>
+              <a:t> table is updated</a:t>
             </a:r>
           </a:p>
           <a:p>
